--- a/Presentation/seavirus_dev_plan.pptx
+++ b/Presentation/seavirus_dev_plan.pptx
@@ -125,6 +125,11 @@
       </a:defRPr>
     </a:lvl9pPr>
   </p:defaultTextStyle>
+  <p:extLst>
+    <p:ext uri="{EFAFB233-063F-42B5-8137-9DF3F51BA10A}">
+      <p15:sldGuideLst xmlns:p15="http://schemas.microsoft.com/office/powerpoint/2012/main"/>
+    </p:ext>
+  </p:extLst>
 </p:presentation>
 </file>
 
@@ -170,10 +175,9 @@
           </a:lstStyle>
           <a:p>
             <a:r>
-              <a:rPr lang="en-US" smtClean="0"/>
+              <a:rPr lang="en-US"/>
               <a:t>Click to edit Master title style</a:t>
             </a:r>
-            <a:endParaRPr lang="en-US"/>
           </a:p>
         </p:txBody>
       </p:sp>
@@ -235,10 +239,9 @@
           </a:lstStyle>
           <a:p>
             <a:r>
-              <a:rPr lang="en-US" smtClean="0"/>
+              <a:rPr lang="en-US"/>
               <a:t>Click to edit Master subtitle style</a:t>
             </a:r>
-            <a:endParaRPr lang="en-US"/>
           </a:p>
         </p:txBody>
       </p:sp>
@@ -259,7 +262,7 @@
           <a:p>
             <a:fld id="{F6B23D4E-FD23-4B66-BB74-99BCB4D2CA26}" type="datetimeFigureOut">
               <a:rPr lang="en-US" smtClean="0"/>
-              <a:t>2023-08-16</a:t>
+              <a:t>8/23/2023</a:t>
             </a:fld>
             <a:endParaRPr lang="en-US"/>
           </a:p>
@@ -301,7 +304,7 @@
           <a:p>
             <a:fld id="{EDFD8438-0363-48A4-876E-E72E9E395FC7}" type="slidenum">
               <a:rPr lang="en-US" smtClean="0"/>
-              <a:t>‹#›</a:t>
+              <a:t>‹nr.›</a:t>
             </a:fld>
             <a:endParaRPr lang="en-US"/>
           </a:p>
@@ -353,10 +356,9 @@
           <a:lstStyle/>
           <a:p>
             <a:r>
-              <a:rPr lang="en-US" smtClean="0"/>
+              <a:rPr lang="en-US"/>
               <a:t>Click to edit Master title style</a:t>
             </a:r>
-            <a:endParaRPr lang="en-US"/>
           </a:p>
         </p:txBody>
       </p:sp>
@@ -377,38 +379,37 @@
           <a:p>
             <a:pPr lvl="0"/>
             <a:r>
-              <a:rPr lang="en-US" smtClean="0"/>
+              <a:rPr lang="en-US"/>
               <a:t>Edit Master text styles</a:t>
             </a:r>
           </a:p>
           <a:p>
             <a:pPr lvl="1"/>
             <a:r>
-              <a:rPr lang="en-US" smtClean="0"/>
+              <a:rPr lang="en-US"/>
               <a:t>Second level</a:t>
             </a:r>
           </a:p>
           <a:p>
             <a:pPr lvl="2"/>
             <a:r>
-              <a:rPr lang="en-US" smtClean="0"/>
+              <a:rPr lang="en-US"/>
               <a:t>Third level</a:t>
             </a:r>
           </a:p>
           <a:p>
             <a:pPr lvl="3"/>
             <a:r>
-              <a:rPr lang="en-US" smtClean="0"/>
+              <a:rPr lang="en-US"/>
               <a:t>Fourth level</a:t>
             </a:r>
           </a:p>
           <a:p>
             <a:pPr lvl="4"/>
             <a:r>
-              <a:rPr lang="en-US" smtClean="0"/>
+              <a:rPr lang="en-US"/>
               <a:t>Fifth level</a:t>
             </a:r>
-            <a:endParaRPr lang="en-US"/>
           </a:p>
         </p:txBody>
       </p:sp>
@@ -429,7 +430,7 @@
           <a:p>
             <a:fld id="{F6B23D4E-FD23-4B66-BB74-99BCB4D2CA26}" type="datetimeFigureOut">
               <a:rPr lang="en-US" smtClean="0"/>
-              <a:t>2023-08-16</a:t>
+              <a:t>8/23/2023</a:t>
             </a:fld>
             <a:endParaRPr lang="en-US"/>
           </a:p>
@@ -471,7 +472,7 @@
           <a:p>
             <a:fld id="{EDFD8438-0363-48A4-876E-E72E9E395FC7}" type="slidenum">
               <a:rPr lang="en-US" smtClean="0"/>
-              <a:t>‹#›</a:t>
+              <a:t>‹nr.›</a:t>
             </a:fld>
             <a:endParaRPr lang="en-US"/>
           </a:p>
@@ -528,10 +529,9 @@
           <a:lstStyle/>
           <a:p>
             <a:r>
-              <a:rPr lang="en-US" smtClean="0"/>
+              <a:rPr lang="en-US"/>
               <a:t>Click to edit Master title style</a:t>
             </a:r>
-            <a:endParaRPr lang="en-US"/>
           </a:p>
         </p:txBody>
       </p:sp>
@@ -557,38 +557,37 @@
           <a:p>
             <a:pPr lvl="0"/>
             <a:r>
-              <a:rPr lang="en-US" smtClean="0"/>
+              <a:rPr lang="en-US"/>
               <a:t>Edit Master text styles</a:t>
             </a:r>
           </a:p>
           <a:p>
             <a:pPr lvl="1"/>
             <a:r>
-              <a:rPr lang="en-US" smtClean="0"/>
+              <a:rPr lang="en-US"/>
               <a:t>Second level</a:t>
             </a:r>
           </a:p>
           <a:p>
             <a:pPr lvl="2"/>
             <a:r>
-              <a:rPr lang="en-US" smtClean="0"/>
+              <a:rPr lang="en-US"/>
               <a:t>Third level</a:t>
             </a:r>
           </a:p>
           <a:p>
             <a:pPr lvl="3"/>
             <a:r>
-              <a:rPr lang="en-US" smtClean="0"/>
+              <a:rPr lang="en-US"/>
               <a:t>Fourth level</a:t>
             </a:r>
           </a:p>
           <a:p>
             <a:pPr lvl="4"/>
             <a:r>
-              <a:rPr lang="en-US" smtClean="0"/>
+              <a:rPr lang="en-US"/>
               <a:t>Fifth level</a:t>
             </a:r>
-            <a:endParaRPr lang="en-US"/>
           </a:p>
         </p:txBody>
       </p:sp>
@@ -609,7 +608,7 @@
           <a:p>
             <a:fld id="{F6B23D4E-FD23-4B66-BB74-99BCB4D2CA26}" type="datetimeFigureOut">
               <a:rPr lang="en-US" smtClean="0"/>
-              <a:t>2023-08-16</a:t>
+              <a:t>8/23/2023</a:t>
             </a:fld>
             <a:endParaRPr lang="en-US"/>
           </a:p>
@@ -651,7 +650,7 @@
           <a:p>
             <a:fld id="{EDFD8438-0363-48A4-876E-E72E9E395FC7}" type="slidenum">
               <a:rPr lang="en-US" smtClean="0"/>
-              <a:t>‹#›</a:t>
+              <a:t>‹nr.›</a:t>
             </a:fld>
             <a:endParaRPr lang="en-US"/>
           </a:p>
@@ -703,10 +702,9 @@
           <a:lstStyle/>
           <a:p>
             <a:r>
-              <a:rPr lang="en-US" smtClean="0"/>
+              <a:rPr lang="en-US"/>
               <a:t>Click to edit Master title style</a:t>
             </a:r>
-            <a:endParaRPr lang="en-US"/>
           </a:p>
         </p:txBody>
       </p:sp>
@@ -727,38 +725,37 @@
           <a:p>
             <a:pPr lvl="0"/>
             <a:r>
-              <a:rPr lang="en-US" smtClean="0"/>
+              <a:rPr lang="en-US"/>
               <a:t>Edit Master text styles</a:t>
             </a:r>
           </a:p>
           <a:p>
             <a:pPr lvl="1"/>
             <a:r>
-              <a:rPr lang="en-US" smtClean="0"/>
+              <a:rPr lang="en-US"/>
               <a:t>Second level</a:t>
             </a:r>
           </a:p>
           <a:p>
             <a:pPr lvl="2"/>
             <a:r>
-              <a:rPr lang="en-US" smtClean="0"/>
+              <a:rPr lang="en-US"/>
               <a:t>Third level</a:t>
             </a:r>
           </a:p>
           <a:p>
             <a:pPr lvl="3"/>
             <a:r>
-              <a:rPr lang="en-US" smtClean="0"/>
+              <a:rPr lang="en-US"/>
               <a:t>Fourth level</a:t>
             </a:r>
           </a:p>
           <a:p>
             <a:pPr lvl="4"/>
             <a:r>
-              <a:rPr lang="en-US" smtClean="0"/>
+              <a:rPr lang="en-US"/>
               <a:t>Fifth level</a:t>
             </a:r>
-            <a:endParaRPr lang="en-US"/>
           </a:p>
         </p:txBody>
       </p:sp>
@@ -779,7 +776,7 @@
           <a:p>
             <a:fld id="{F6B23D4E-FD23-4B66-BB74-99BCB4D2CA26}" type="datetimeFigureOut">
               <a:rPr lang="en-US" smtClean="0"/>
-              <a:t>2023-08-16</a:t>
+              <a:t>8/23/2023</a:t>
             </a:fld>
             <a:endParaRPr lang="en-US"/>
           </a:p>
@@ -821,7 +818,7 @@
           <a:p>
             <a:fld id="{EDFD8438-0363-48A4-876E-E72E9E395FC7}" type="slidenum">
               <a:rPr lang="en-US" smtClean="0"/>
-              <a:t>‹#›</a:t>
+              <a:t>‹nr.›</a:t>
             </a:fld>
             <a:endParaRPr lang="en-US"/>
           </a:p>
@@ -882,10 +879,9 @@
           </a:lstStyle>
           <a:p>
             <a:r>
-              <a:rPr lang="en-US" smtClean="0"/>
+              <a:rPr lang="en-US"/>
               <a:t>Click to edit Master title style</a:t>
             </a:r>
-            <a:endParaRPr lang="en-US"/>
           </a:p>
         </p:txBody>
       </p:sp>
@@ -1002,7 +998,7 @@
           <a:p>
             <a:pPr lvl="0"/>
             <a:r>
-              <a:rPr lang="en-US" smtClean="0"/>
+              <a:rPr lang="en-US"/>
               <a:t>Edit Master text styles</a:t>
             </a:r>
           </a:p>
@@ -1025,7 +1021,7 @@
           <a:p>
             <a:fld id="{F6B23D4E-FD23-4B66-BB74-99BCB4D2CA26}" type="datetimeFigureOut">
               <a:rPr lang="en-US" smtClean="0"/>
-              <a:t>2023-08-16</a:t>
+              <a:t>8/23/2023</a:t>
             </a:fld>
             <a:endParaRPr lang="en-US"/>
           </a:p>
@@ -1067,7 +1063,7 @@
           <a:p>
             <a:fld id="{EDFD8438-0363-48A4-876E-E72E9E395FC7}" type="slidenum">
               <a:rPr lang="en-US" smtClean="0"/>
-              <a:t>‹#›</a:t>
+              <a:t>‹nr.›</a:t>
             </a:fld>
             <a:endParaRPr lang="en-US"/>
           </a:p>
@@ -1119,10 +1115,9 @@
           <a:lstStyle/>
           <a:p>
             <a:r>
-              <a:rPr lang="en-US" smtClean="0"/>
+              <a:rPr lang="en-US"/>
               <a:t>Click to edit Master title style</a:t>
             </a:r>
-            <a:endParaRPr lang="en-US"/>
           </a:p>
         </p:txBody>
       </p:sp>
@@ -1148,38 +1143,37 @@
           <a:p>
             <a:pPr lvl="0"/>
             <a:r>
-              <a:rPr lang="en-US" smtClean="0"/>
+              <a:rPr lang="en-US"/>
               <a:t>Edit Master text styles</a:t>
             </a:r>
           </a:p>
           <a:p>
             <a:pPr lvl="1"/>
             <a:r>
-              <a:rPr lang="en-US" smtClean="0"/>
+              <a:rPr lang="en-US"/>
               <a:t>Second level</a:t>
             </a:r>
           </a:p>
           <a:p>
             <a:pPr lvl="2"/>
             <a:r>
-              <a:rPr lang="en-US" smtClean="0"/>
+              <a:rPr lang="en-US"/>
               <a:t>Third level</a:t>
             </a:r>
           </a:p>
           <a:p>
             <a:pPr lvl="3"/>
             <a:r>
-              <a:rPr lang="en-US" smtClean="0"/>
+              <a:rPr lang="en-US"/>
               <a:t>Fourth level</a:t>
             </a:r>
           </a:p>
           <a:p>
             <a:pPr lvl="4"/>
             <a:r>
-              <a:rPr lang="en-US" smtClean="0"/>
+              <a:rPr lang="en-US"/>
               <a:t>Fifth level</a:t>
             </a:r>
-            <a:endParaRPr lang="en-US"/>
           </a:p>
         </p:txBody>
       </p:sp>
@@ -1205,38 +1199,37 @@
           <a:p>
             <a:pPr lvl="0"/>
             <a:r>
-              <a:rPr lang="en-US" smtClean="0"/>
+              <a:rPr lang="en-US"/>
               <a:t>Edit Master text styles</a:t>
             </a:r>
           </a:p>
           <a:p>
             <a:pPr lvl="1"/>
             <a:r>
-              <a:rPr lang="en-US" smtClean="0"/>
+              <a:rPr lang="en-US"/>
               <a:t>Second level</a:t>
             </a:r>
           </a:p>
           <a:p>
             <a:pPr lvl="2"/>
             <a:r>
-              <a:rPr lang="en-US" smtClean="0"/>
+              <a:rPr lang="en-US"/>
               <a:t>Third level</a:t>
             </a:r>
           </a:p>
           <a:p>
             <a:pPr lvl="3"/>
             <a:r>
-              <a:rPr lang="en-US" smtClean="0"/>
+              <a:rPr lang="en-US"/>
               <a:t>Fourth level</a:t>
             </a:r>
           </a:p>
           <a:p>
             <a:pPr lvl="4"/>
             <a:r>
-              <a:rPr lang="en-US" smtClean="0"/>
+              <a:rPr lang="en-US"/>
               <a:t>Fifth level</a:t>
             </a:r>
-            <a:endParaRPr lang="en-US"/>
           </a:p>
         </p:txBody>
       </p:sp>
@@ -1257,7 +1250,7 @@
           <a:p>
             <a:fld id="{F6B23D4E-FD23-4B66-BB74-99BCB4D2CA26}" type="datetimeFigureOut">
               <a:rPr lang="en-US" smtClean="0"/>
-              <a:t>2023-08-16</a:t>
+              <a:t>8/23/2023</a:t>
             </a:fld>
             <a:endParaRPr lang="en-US"/>
           </a:p>
@@ -1299,7 +1292,7 @@
           <a:p>
             <a:fld id="{EDFD8438-0363-48A4-876E-E72E9E395FC7}" type="slidenum">
               <a:rPr lang="en-US" smtClean="0"/>
-              <a:t>‹#›</a:t>
+              <a:t>‹nr.›</a:t>
             </a:fld>
             <a:endParaRPr lang="en-US"/>
           </a:p>
@@ -1356,10 +1349,9 @@
           <a:lstStyle/>
           <a:p>
             <a:r>
-              <a:rPr lang="en-US" smtClean="0"/>
+              <a:rPr lang="en-US"/>
               <a:t>Click to edit Master title style</a:t>
             </a:r>
-            <a:endParaRPr lang="en-US"/>
           </a:p>
         </p:txBody>
       </p:sp>
@@ -1422,7 +1414,7 @@
           <a:p>
             <a:pPr lvl="0"/>
             <a:r>
-              <a:rPr lang="en-US" smtClean="0"/>
+              <a:rPr lang="en-US"/>
               <a:t>Edit Master text styles</a:t>
             </a:r>
           </a:p>
@@ -1450,38 +1442,37 @@
           <a:p>
             <a:pPr lvl="0"/>
             <a:r>
-              <a:rPr lang="en-US" smtClean="0"/>
+              <a:rPr lang="en-US"/>
               <a:t>Edit Master text styles</a:t>
             </a:r>
           </a:p>
           <a:p>
             <a:pPr lvl="1"/>
             <a:r>
-              <a:rPr lang="en-US" smtClean="0"/>
+              <a:rPr lang="en-US"/>
               <a:t>Second level</a:t>
             </a:r>
           </a:p>
           <a:p>
             <a:pPr lvl="2"/>
             <a:r>
-              <a:rPr lang="en-US" smtClean="0"/>
+              <a:rPr lang="en-US"/>
               <a:t>Third level</a:t>
             </a:r>
           </a:p>
           <a:p>
             <a:pPr lvl="3"/>
             <a:r>
-              <a:rPr lang="en-US" smtClean="0"/>
+              <a:rPr lang="en-US"/>
               <a:t>Fourth level</a:t>
             </a:r>
           </a:p>
           <a:p>
             <a:pPr lvl="4"/>
             <a:r>
-              <a:rPr lang="en-US" smtClean="0"/>
+              <a:rPr lang="en-US"/>
               <a:t>Fifth level</a:t>
             </a:r>
-            <a:endParaRPr lang="en-US"/>
           </a:p>
         </p:txBody>
       </p:sp>
@@ -1544,7 +1535,7 @@
           <a:p>
             <a:pPr lvl="0"/>
             <a:r>
-              <a:rPr lang="en-US" smtClean="0"/>
+              <a:rPr lang="en-US"/>
               <a:t>Edit Master text styles</a:t>
             </a:r>
           </a:p>
@@ -1572,38 +1563,37 @@
           <a:p>
             <a:pPr lvl="0"/>
             <a:r>
-              <a:rPr lang="en-US" smtClean="0"/>
+              <a:rPr lang="en-US"/>
               <a:t>Edit Master text styles</a:t>
             </a:r>
           </a:p>
           <a:p>
             <a:pPr lvl="1"/>
             <a:r>
-              <a:rPr lang="en-US" smtClean="0"/>
+              <a:rPr lang="en-US"/>
               <a:t>Second level</a:t>
             </a:r>
           </a:p>
           <a:p>
             <a:pPr lvl="2"/>
             <a:r>
-              <a:rPr lang="en-US" smtClean="0"/>
+              <a:rPr lang="en-US"/>
               <a:t>Third level</a:t>
             </a:r>
           </a:p>
           <a:p>
             <a:pPr lvl="3"/>
             <a:r>
-              <a:rPr lang="en-US" smtClean="0"/>
+              <a:rPr lang="en-US"/>
               <a:t>Fourth level</a:t>
             </a:r>
           </a:p>
           <a:p>
             <a:pPr lvl="4"/>
             <a:r>
-              <a:rPr lang="en-US" smtClean="0"/>
+              <a:rPr lang="en-US"/>
               <a:t>Fifth level</a:t>
             </a:r>
-            <a:endParaRPr lang="en-US"/>
           </a:p>
         </p:txBody>
       </p:sp>
@@ -1624,7 +1614,7 @@
           <a:p>
             <a:fld id="{F6B23D4E-FD23-4B66-BB74-99BCB4D2CA26}" type="datetimeFigureOut">
               <a:rPr lang="en-US" smtClean="0"/>
-              <a:t>2023-08-16</a:t>
+              <a:t>8/23/2023</a:t>
             </a:fld>
             <a:endParaRPr lang="en-US"/>
           </a:p>
@@ -1666,7 +1656,7 @@
           <a:p>
             <a:fld id="{EDFD8438-0363-48A4-876E-E72E9E395FC7}" type="slidenum">
               <a:rPr lang="en-US" smtClean="0"/>
-              <a:t>‹#›</a:t>
+              <a:t>‹nr.›</a:t>
             </a:fld>
             <a:endParaRPr lang="en-US"/>
           </a:p>
@@ -1718,10 +1708,9 @@
           <a:lstStyle/>
           <a:p>
             <a:r>
-              <a:rPr lang="en-US" smtClean="0"/>
+              <a:rPr lang="en-US"/>
               <a:t>Click to edit Master title style</a:t>
             </a:r>
-            <a:endParaRPr lang="en-US"/>
           </a:p>
         </p:txBody>
       </p:sp>
@@ -1742,7 +1731,7 @@
           <a:p>
             <a:fld id="{F6B23D4E-FD23-4B66-BB74-99BCB4D2CA26}" type="datetimeFigureOut">
               <a:rPr lang="en-US" smtClean="0"/>
-              <a:t>2023-08-16</a:t>
+              <a:t>8/23/2023</a:t>
             </a:fld>
             <a:endParaRPr lang="en-US"/>
           </a:p>
@@ -1784,7 +1773,7 @@
           <a:p>
             <a:fld id="{EDFD8438-0363-48A4-876E-E72E9E395FC7}" type="slidenum">
               <a:rPr lang="en-US" smtClean="0"/>
-              <a:t>‹#›</a:t>
+              <a:t>‹nr.›</a:t>
             </a:fld>
             <a:endParaRPr lang="en-US"/>
           </a:p>
@@ -1837,7 +1826,7 @@
           <a:p>
             <a:fld id="{F6B23D4E-FD23-4B66-BB74-99BCB4D2CA26}" type="datetimeFigureOut">
               <a:rPr lang="en-US" smtClean="0"/>
-              <a:t>2023-08-16</a:t>
+              <a:t>8/23/2023</a:t>
             </a:fld>
             <a:endParaRPr lang="en-US"/>
           </a:p>
@@ -1879,7 +1868,7 @@
           <a:p>
             <a:fld id="{EDFD8438-0363-48A4-876E-E72E9E395FC7}" type="slidenum">
               <a:rPr lang="en-US" smtClean="0"/>
-              <a:t>‹#›</a:t>
+              <a:t>‹nr.›</a:t>
             </a:fld>
             <a:endParaRPr lang="en-US"/>
           </a:p>
@@ -1940,10 +1929,9 @@
           </a:lstStyle>
           <a:p>
             <a:r>
-              <a:rPr lang="en-US" smtClean="0"/>
+              <a:rPr lang="en-US"/>
               <a:t>Click to edit Master title style</a:t>
             </a:r>
-            <a:endParaRPr lang="en-US"/>
           </a:p>
         </p:txBody>
       </p:sp>
@@ -1997,38 +1985,37 @@
           <a:p>
             <a:pPr lvl="0"/>
             <a:r>
-              <a:rPr lang="en-US" smtClean="0"/>
+              <a:rPr lang="en-US"/>
               <a:t>Edit Master text styles</a:t>
             </a:r>
           </a:p>
           <a:p>
             <a:pPr lvl="1"/>
             <a:r>
-              <a:rPr lang="en-US" smtClean="0"/>
+              <a:rPr lang="en-US"/>
               <a:t>Second level</a:t>
             </a:r>
           </a:p>
           <a:p>
             <a:pPr lvl="2"/>
             <a:r>
-              <a:rPr lang="en-US" smtClean="0"/>
+              <a:rPr lang="en-US"/>
               <a:t>Third level</a:t>
             </a:r>
           </a:p>
           <a:p>
             <a:pPr lvl="3"/>
             <a:r>
-              <a:rPr lang="en-US" smtClean="0"/>
+              <a:rPr lang="en-US"/>
               <a:t>Fourth level</a:t>
             </a:r>
           </a:p>
           <a:p>
             <a:pPr lvl="4"/>
             <a:r>
-              <a:rPr lang="en-US" smtClean="0"/>
+              <a:rPr lang="en-US"/>
               <a:t>Fifth level</a:t>
             </a:r>
-            <a:endParaRPr lang="en-US"/>
           </a:p>
         </p:txBody>
       </p:sp>
@@ -2091,7 +2078,7 @@
           <a:p>
             <a:pPr lvl="0"/>
             <a:r>
-              <a:rPr lang="en-US" smtClean="0"/>
+              <a:rPr lang="en-US"/>
               <a:t>Edit Master text styles</a:t>
             </a:r>
           </a:p>
@@ -2114,7 +2101,7 @@
           <a:p>
             <a:fld id="{F6B23D4E-FD23-4B66-BB74-99BCB4D2CA26}" type="datetimeFigureOut">
               <a:rPr lang="en-US" smtClean="0"/>
-              <a:t>2023-08-16</a:t>
+              <a:t>8/23/2023</a:t>
             </a:fld>
             <a:endParaRPr lang="en-US"/>
           </a:p>
@@ -2156,7 +2143,7 @@
           <a:p>
             <a:fld id="{EDFD8438-0363-48A4-876E-E72E9E395FC7}" type="slidenum">
               <a:rPr lang="en-US" smtClean="0"/>
-              <a:t>‹#›</a:t>
+              <a:t>‹nr.›</a:t>
             </a:fld>
             <a:endParaRPr lang="en-US"/>
           </a:p>
@@ -2217,10 +2204,9 @@
           </a:lstStyle>
           <a:p>
             <a:r>
-              <a:rPr lang="en-US" smtClean="0"/>
+              <a:rPr lang="en-US"/>
               <a:t>Click to edit Master title style</a:t>
             </a:r>
-            <a:endParaRPr lang="en-US"/>
           </a:p>
         </p:txBody>
       </p:sp>
@@ -2344,7 +2330,7 @@
           <a:p>
             <a:pPr lvl="0"/>
             <a:r>
-              <a:rPr lang="en-US" smtClean="0"/>
+              <a:rPr lang="en-US"/>
               <a:t>Edit Master text styles</a:t>
             </a:r>
           </a:p>
@@ -2367,7 +2353,7 @@
           <a:p>
             <a:fld id="{F6B23D4E-FD23-4B66-BB74-99BCB4D2CA26}" type="datetimeFigureOut">
               <a:rPr lang="en-US" smtClean="0"/>
-              <a:t>2023-08-16</a:t>
+              <a:t>8/23/2023</a:t>
             </a:fld>
             <a:endParaRPr lang="en-US"/>
           </a:p>
@@ -2409,7 +2395,7 @@
           <a:p>
             <a:fld id="{EDFD8438-0363-48A4-876E-E72E9E395FC7}" type="slidenum">
               <a:rPr lang="en-US" smtClean="0"/>
-              <a:t>‹#›</a:t>
+              <a:t>‹nr.›</a:t>
             </a:fld>
             <a:endParaRPr lang="en-US"/>
           </a:p>
@@ -2476,10 +2462,9 @@
           <a:lstStyle/>
           <a:p>
             <a:r>
-              <a:rPr lang="en-US" smtClean="0"/>
+              <a:rPr lang="en-US"/>
               <a:t>Click to edit Master title style</a:t>
             </a:r>
-            <a:endParaRPr lang="en-US"/>
           </a:p>
         </p:txBody>
       </p:sp>
@@ -2510,38 +2495,37 @@
           <a:p>
             <a:pPr lvl="0"/>
             <a:r>
-              <a:rPr lang="en-US" smtClean="0"/>
+              <a:rPr lang="en-US"/>
               <a:t>Edit Master text styles</a:t>
             </a:r>
           </a:p>
           <a:p>
             <a:pPr lvl="1"/>
             <a:r>
-              <a:rPr lang="en-US" smtClean="0"/>
+              <a:rPr lang="en-US"/>
               <a:t>Second level</a:t>
             </a:r>
           </a:p>
           <a:p>
             <a:pPr lvl="2"/>
             <a:r>
-              <a:rPr lang="en-US" smtClean="0"/>
+              <a:rPr lang="en-US"/>
               <a:t>Third level</a:t>
             </a:r>
           </a:p>
           <a:p>
             <a:pPr lvl="3"/>
             <a:r>
-              <a:rPr lang="en-US" smtClean="0"/>
+              <a:rPr lang="en-US"/>
               <a:t>Fourth level</a:t>
             </a:r>
           </a:p>
           <a:p>
             <a:pPr lvl="4"/>
             <a:r>
-              <a:rPr lang="en-US" smtClean="0"/>
+              <a:rPr lang="en-US"/>
               <a:t>Fifth level</a:t>
             </a:r>
-            <a:endParaRPr lang="en-US"/>
           </a:p>
         </p:txBody>
       </p:sp>
@@ -2580,7 +2564,7 @@
           <a:p>
             <a:fld id="{F6B23D4E-FD23-4B66-BB74-99BCB4D2CA26}" type="datetimeFigureOut">
               <a:rPr lang="en-US" smtClean="0"/>
-              <a:t>2023-08-16</a:t>
+              <a:t>8/23/2023</a:t>
             </a:fld>
             <a:endParaRPr lang="en-US"/>
           </a:p>
@@ -2658,7 +2642,7 @@
           <a:p>
             <a:fld id="{EDFD8438-0363-48A4-876E-E72E9E395FC7}" type="slidenum">
               <a:rPr lang="en-US" smtClean="0"/>
-              <a:t>‹#›</a:t>
+              <a:t>‹nr.›</a:t>
             </a:fld>
             <a:endParaRPr lang="en-US"/>
           </a:p>
@@ -3001,10 +2985,9 @@
           <a:lstStyle/>
           <a:p>
             <a:r>
-              <a:rPr lang="en-US" dirty="0" smtClean="0"/>
+              <a:rPr lang="en-US" dirty="0"/>
               <a:t>Viral production R package</a:t>
             </a:r>
-            <a:endParaRPr lang="en-US" dirty="0"/>
           </a:p>
         </p:txBody>
       </p:sp>
@@ -3024,10 +3007,9 @@
           <a:lstStyle/>
           <a:p>
             <a:r>
-              <a:rPr lang="en-US" dirty="0" smtClean="0"/>
+              <a:rPr lang="en-US" dirty="0"/>
               <a:t>Development plan</a:t>
             </a:r>
-            <a:endParaRPr lang="en-US" dirty="0"/>
           </a:p>
         </p:txBody>
       </p:sp>
@@ -3041,13 +3023,6 @@
   <p:clrMapOvr>
     <a:masterClrMapping/>
   </p:clrMapOvr>
-  <p:timing>
-    <p:tnLst>
-      <p:par>
-        <p:cTn id="1" dur="indefinite" restart="never" nodeType="tmRoot"/>
-      </p:par>
-    </p:tnLst>
-  </p:timing>
 </p:sld>
 </file>
 
@@ -3089,11 +3064,11 @@
           <a:lstStyle/>
           <a:p>
             <a:r>
-              <a:rPr lang="en-US" dirty="0" smtClean="0"/>
+              <a:rPr lang="en-US" dirty="0"/>
               <a:t>Document with </a:t>
             </a:r>
             <a:r>
-              <a:rPr lang="en-US" dirty="0" err="1" smtClean="0"/>
+              <a:rPr lang="en-US" dirty="0" err="1"/>
               <a:t>Roxygen</a:t>
             </a:r>
             <a:endParaRPr lang="en-US" dirty="0"/>
@@ -3264,11 +3239,11 @@
           <a:lstStyle/>
           <a:p>
             <a:r>
-              <a:rPr lang="en-US" dirty="0" smtClean="0"/>
+              <a:rPr lang="en-US" dirty="0"/>
               <a:t>Document with </a:t>
             </a:r>
             <a:r>
-              <a:rPr lang="en-US" dirty="0" err="1" smtClean="0"/>
+              <a:rPr lang="en-US" dirty="0" err="1"/>
               <a:t>ROxygen</a:t>
             </a:r>
             <a:endParaRPr lang="en-US" dirty="0"/>
@@ -3294,11 +3269,11 @@
               <a:buNone/>
             </a:pPr>
             <a:r>
-              <a:rPr lang="en-US" dirty="0" err="1" smtClean="0"/>
+              <a:rPr lang="en-US" dirty="0" err="1"/>
               <a:t>devtools</a:t>
             </a:r>
             <a:r>
-              <a:rPr lang="en-US" dirty="0" smtClean="0"/>
+              <a:rPr lang="en-US" dirty="0"/>
               <a:t>::document()</a:t>
             </a:r>
           </a:p>
@@ -3313,15 +3288,15 @@
               <a:buNone/>
             </a:pPr>
             <a:r>
-              <a:rPr lang="en-US" dirty="0" smtClean="0"/>
+              <a:rPr lang="en-US" dirty="0"/>
               <a:t>Turns the comments into </a:t>
             </a:r>
             <a:r>
-              <a:rPr lang="en-US" dirty="0" err="1" smtClean="0"/>
+              <a:rPr lang="en-US" dirty="0" err="1"/>
               <a:t>pkg</a:t>
             </a:r>
             <a:r>
-              <a:rPr lang="en-US" dirty="0" smtClean="0"/>
+              <a:rPr lang="en-US" dirty="0"/>
               <a:t> documentation that goes into man/</a:t>
             </a:r>
           </a:p>
@@ -3373,117 +3348,111 @@
           <a:lstStyle/>
           <a:p>
             <a:r>
-              <a:rPr lang="en-US" dirty="0" smtClean="0"/>
+              <a:rPr lang="en-US" dirty="0"/>
               <a:t>Licensing</a:t>
             </a:r>
+          </a:p>
+        </p:txBody>
+      </p:sp>
+      <p:sp>
+        <p:nvSpPr>
+          <p:cNvPr id="3" name="Content Placeholder 2"/>
+          <p:cNvSpPr>
+            <a:spLocks noGrp="1"/>
+          </p:cNvSpPr>
+          <p:nvPr>
+            <p:ph idx="1"/>
+          </p:nvPr>
+        </p:nvSpPr>
+        <p:spPr/>
+        <p:txBody>
+          <a:bodyPr/>
+          <a:lstStyle/>
+          <a:p>
+            <a:pPr marL="0" indent="0">
+              <a:buNone/>
+            </a:pPr>
+            <a:r>
+              <a:rPr lang="en-US" dirty="0"/>
+              <a:t>No license = All rights reserved</a:t>
+            </a:r>
+          </a:p>
+          <a:p>
+            <a:pPr marL="0" indent="0">
+              <a:buNone/>
+            </a:pPr>
+            <a:r>
+              <a:rPr lang="en-US" dirty="0" err="1"/>
+              <a:t>a.k</a:t>
+            </a:r>
+            <a:r>
+              <a:rPr lang="en-US" dirty="0"/>
+              <a:t>. everyone who wants to use your code must ask permission first</a:t>
+            </a:r>
+          </a:p>
+          <a:p>
+            <a:pPr marL="0" indent="0">
+              <a:buNone/>
+            </a:pPr>
+            <a:r>
+              <a:rPr lang="en-US" dirty="0"/>
+              <a:t>Best to add a license that requires acknowledging</a:t>
+            </a:r>
+          </a:p>
+          <a:p>
+            <a:r>
+              <a:rPr lang="en-US" dirty="0"/>
+              <a:t>MIT: </a:t>
+            </a:r>
+            <a:r>
+              <a:rPr lang="en-US" dirty="0" err="1"/>
+              <a:t>usethis</a:t>
+            </a:r>
+            <a:r>
+              <a:rPr lang="en-US" dirty="0"/>
+              <a:t>::</a:t>
+            </a:r>
+            <a:r>
+              <a:rPr lang="en-US" dirty="0" err="1"/>
+              <a:t>use_mit_license</a:t>
+            </a:r>
+            <a:r>
+              <a:rPr lang="en-US" dirty="0"/>
+              <a:t>()</a:t>
+            </a:r>
+          </a:p>
+          <a:p>
+            <a:pPr lvl="1"/>
+            <a:r>
+              <a:rPr lang="en-US" dirty="0"/>
+              <a:t>All uses allowed, including </a:t>
+            </a:r>
+            <a:r>
+              <a:rPr lang="en-US" dirty="0" err="1"/>
+              <a:t>comercial</a:t>
+            </a:r>
             <a:endParaRPr lang="en-US" dirty="0"/>
           </a:p>
-        </p:txBody>
-      </p:sp>
-      <p:sp>
-        <p:nvSpPr>
-          <p:cNvPr id="3" name="Content Placeholder 2"/>
-          <p:cNvSpPr>
-            <a:spLocks noGrp="1"/>
-          </p:cNvSpPr>
-          <p:nvPr>
-            <p:ph idx="1"/>
-          </p:nvPr>
-        </p:nvSpPr>
-        <p:spPr/>
-        <p:txBody>
-          <a:bodyPr/>
-          <a:lstStyle/>
-          <a:p>
-            <a:pPr marL="0" indent="0">
-              <a:buNone/>
-            </a:pPr>
-            <a:r>
-              <a:rPr lang="en-US" dirty="0" smtClean="0"/>
-              <a:t>No license = All rights reserved</a:t>
-            </a:r>
-          </a:p>
-          <a:p>
-            <a:pPr marL="0" indent="0">
-              <a:buNone/>
-            </a:pPr>
-            <a:r>
-              <a:rPr lang="en-US" dirty="0" err="1" smtClean="0"/>
-              <a:t>a.k</a:t>
-            </a:r>
-            <a:r>
-              <a:rPr lang="en-US" dirty="0" smtClean="0"/>
-              <a:t>. everyone who wants to use your code must ask permission first</a:t>
-            </a:r>
-          </a:p>
-          <a:p>
-            <a:pPr marL="0" indent="0">
-              <a:buNone/>
-            </a:pPr>
-            <a:r>
-              <a:rPr lang="en-US" dirty="0" smtClean="0"/>
-              <a:t>Best to add a license that requires acknowledging</a:t>
-            </a:r>
-          </a:p>
-          <a:p>
-            <a:r>
-              <a:rPr lang="en-US" dirty="0" smtClean="0"/>
-              <a:t>MIT: </a:t>
-            </a:r>
-            <a:r>
-              <a:rPr lang="en-US" dirty="0" err="1" smtClean="0"/>
+          <a:p>
+            <a:r>
+              <a:rPr lang="en-US" dirty="0"/>
+              <a:t>GPL: </a:t>
+            </a:r>
+            <a:r>
+              <a:rPr lang="en-US" dirty="0" err="1"/>
               <a:t>usethis</a:t>
             </a:r>
             <a:r>
-              <a:rPr lang="en-US" dirty="0" smtClean="0"/>
-              <a:t>::</a:t>
-            </a:r>
-            <a:r>
-              <a:rPr lang="en-US" dirty="0" err="1" smtClean="0"/>
-              <a:t>use_mit_license</a:t>
-            </a:r>
-            <a:r>
-              <a:rPr lang="en-US" dirty="0" smtClean="0"/>
-              <a:t>()</a:t>
+              <a:rPr lang="en-US" dirty="0"/>
+              <a:t>::use_agpl3_license()</a:t>
             </a:r>
           </a:p>
           <a:p>
             <a:pPr lvl="1"/>
             <a:r>
-              <a:rPr lang="en-US" dirty="0" smtClean="0"/>
-              <a:t>All uses allowed, including </a:t>
-            </a:r>
-            <a:r>
-              <a:rPr lang="en-US" dirty="0" err="1" smtClean="0"/>
-              <a:t>comercial</a:t>
-            </a:r>
-            <a:endParaRPr lang="en-US" dirty="0" smtClean="0"/>
-          </a:p>
-          <a:p>
-            <a:r>
-              <a:rPr lang="en-US" dirty="0" smtClean="0"/>
-              <a:t>GPL: </a:t>
-            </a:r>
-            <a:r>
-              <a:rPr lang="en-US" dirty="0" err="1" smtClean="0"/>
-              <a:t>usethis</a:t>
-            </a:r>
-            <a:r>
-              <a:rPr lang="en-US" dirty="0" smtClean="0"/>
-              <a:t>::use_agpl3_license()</a:t>
-            </a:r>
-          </a:p>
-          <a:p>
-            <a:pPr lvl="1"/>
-            <a:r>
-              <a:rPr lang="en-US" dirty="0"/>
-              <a:t>D</a:t>
-            </a:r>
-            <a:r>
-              <a:rPr lang="en-US" dirty="0" smtClean="0"/>
-              <a:t>erivative work must also be open source</a:t>
-            </a:r>
-            <a:endParaRPr lang="en-US" dirty="0"/>
+              <a:rPr lang="en-US" dirty="0"/>
+              <a:t>Derivative work must also be open source</a:t>
+            </a:r>
           </a:p>
         </p:txBody>
       </p:sp>
@@ -3533,10 +3502,9 @@
           <a:lstStyle/>
           <a:p>
             <a:r>
-              <a:rPr lang="en-US" dirty="0" smtClean="0"/>
+              <a:rPr lang="en-US" dirty="0"/>
               <a:t>Vignettes</a:t>
             </a:r>
-            <a:endParaRPr lang="en-US" dirty="0"/>
           </a:p>
         </p:txBody>
       </p:sp>
@@ -3556,99 +3524,98 @@
           <a:lstStyle/>
           <a:p>
             <a:r>
-              <a:rPr lang="en-US" dirty="0" smtClean="0"/>
+              <a:rPr lang="en-US" dirty="0"/>
               <a:t>A paper-like documentation form</a:t>
             </a:r>
           </a:p>
           <a:p>
             <a:r>
-              <a:rPr lang="en-US" dirty="0" smtClean="0"/>
+              <a:rPr lang="en-US" dirty="0"/>
               <a:t>E.g. run vignette(“</a:t>
             </a:r>
             <a:r>
-              <a:rPr lang="en-US" dirty="0" err="1" smtClean="0"/>
+              <a:rPr lang="en-US" dirty="0" err="1"/>
               <a:t>dplyr</a:t>
             </a:r>
             <a:r>
-              <a:rPr lang="en-US" dirty="0" smtClean="0"/>
+              <a:rPr lang="en-US" dirty="0"/>
               <a:t>”)</a:t>
             </a:r>
           </a:p>
           <a:p>
             <a:r>
-              <a:rPr lang="en-US" dirty="0" smtClean="0"/>
+              <a:rPr lang="en-US" dirty="0"/>
               <a:t>This later turns into a page of the package website: </a:t>
             </a:r>
             <a:r>
-              <a:rPr lang="en-US" dirty="0" smtClean="0">
+              <a:rPr lang="en-US" dirty="0">
                 <a:hlinkClick r:id="rId2"/>
               </a:rPr>
               <a:t>https://dplyr.tidyverse.org/articles/dplyr.html</a:t>
             </a:r>
             <a:r>
-              <a:rPr lang="en-US" dirty="0" smtClean="0"/>
+              <a:rPr lang="en-US" dirty="0"/>
               <a:t> </a:t>
             </a:r>
           </a:p>
           <a:p>
             <a:r>
-              <a:rPr lang="en-US" dirty="0" smtClean="0"/>
+              <a:rPr lang="en-US" dirty="0"/>
               <a:t>Create with: </a:t>
             </a:r>
             <a:r>
-              <a:rPr lang="en-US" dirty="0" err="1" smtClean="0"/>
+              <a:rPr lang="en-US" dirty="0" err="1"/>
               <a:t>usethis</a:t>
             </a:r>
             <a:r>
-              <a:rPr lang="en-US" dirty="0" smtClean="0"/>
+              <a:rPr lang="en-US" dirty="0"/>
               <a:t>::</a:t>
             </a:r>
             <a:r>
-              <a:rPr lang="en-US" dirty="0" err="1" smtClean="0"/>
+              <a:rPr lang="en-US" dirty="0" err="1"/>
               <a:t>use_vignette</a:t>
             </a:r>
             <a:r>
-              <a:rPr lang="en-US" dirty="0" smtClean="0"/>
+              <a:rPr lang="en-US" dirty="0"/>
               <a:t>()</a:t>
             </a:r>
           </a:p>
           <a:p>
             <a:pPr lvl="1"/>
             <a:r>
-              <a:rPr lang="en-US" dirty="0" smtClean="0"/>
+              <a:rPr lang="en-US" dirty="0"/>
               <a:t>If the vignette has the package name, this is a special type of vignette that will appear in the website as “Get Started”</a:t>
             </a:r>
           </a:p>
           <a:p>
             <a:pPr lvl="1"/>
             <a:r>
-              <a:rPr lang="en-US" dirty="0" smtClean="0"/>
+              <a:rPr lang="en-US" dirty="0"/>
               <a:t>Should be lightweight -&gt; careful with plots</a:t>
             </a:r>
           </a:p>
           <a:p>
             <a:pPr lvl="1"/>
             <a:r>
-              <a:rPr lang="en-US" dirty="0" smtClean="0"/>
+              <a:rPr lang="en-US" dirty="0"/>
               <a:t>If you require more space -&gt; create “articles” instead. These will be in the website but won’t go with the package to CRAN. </a:t>
             </a:r>
             <a:r>
-              <a:rPr lang="en-US" dirty="0" err="1" smtClean="0"/>
+              <a:rPr lang="en-US" dirty="0" err="1"/>
               <a:t>usethis</a:t>
             </a:r>
             <a:r>
-              <a:rPr lang="en-US" dirty="0" smtClean="0"/>
+              <a:rPr lang="en-US" dirty="0"/>
               <a:t>::</a:t>
             </a:r>
             <a:r>
-              <a:rPr lang="en-US" dirty="0" err="1" smtClean="0"/>
+              <a:rPr lang="en-US" dirty="0" err="1"/>
               <a:t>use_article</a:t>
             </a:r>
             <a:r>
-              <a:rPr lang="en-US" dirty="0" smtClean="0"/>
+              <a:rPr lang="en-US" dirty="0"/>
               <a:t>()</a:t>
             </a:r>
-            <a:endParaRPr lang="en-US" dirty="0"/>
           </a:p>
         </p:txBody>
       </p:sp>
@@ -3698,10 +3665,9 @@
           <a:lstStyle/>
           <a:p>
             <a:r>
-              <a:rPr lang="en-US" dirty="0" smtClean="0"/>
+              <a:rPr lang="en-US" dirty="0"/>
               <a:t>Include data in a package</a:t>
             </a:r>
-            <a:endParaRPr lang="en-US" dirty="0"/>
           </a:p>
         </p:txBody>
       </p:sp>
@@ -3721,62 +3687,61 @@
           <a:lstStyle/>
           <a:p>
             <a:r>
-              <a:rPr lang="en-US" dirty="0" smtClean="0"/>
+              <a:rPr lang="en-US" dirty="0"/>
               <a:t>You can add small data file in .</a:t>
             </a:r>
             <a:r>
-              <a:rPr lang="en-US" dirty="0" err="1" smtClean="0"/>
+              <a:rPr lang="en-US" dirty="0" err="1"/>
               <a:t>rda</a:t>
             </a:r>
             <a:r>
-              <a:rPr lang="en-US" dirty="0" smtClean="0"/>
+              <a:rPr lang="en-US" dirty="0"/>
               <a:t> format that will be packed together with the package</a:t>
             </a:r>
           </a:p>
           <a:p>
             <a:r>
-              <a:rPr lang="en-US" dirty="0" smtClean="0"/>
+              <a:rPr lang="en-US" dirty="0"/>
               <a:t>Document how you created the file with </a:t>
             </a:r>
             <a:r>
-              <a:rPr lang="en-US" dirty="0" err="1" smtClean="0"/>
+              <a:rPr lang="en-US" dirty="0" err="1"/>
               <a:t>usethis</a:t>
             </a:r>
             <a:r>
-              <a:rPr lang="en-US" dirty="0" smtClean="0"/>
+              <a:rPr lang="en-US" dirty="0"/>
               <a:t>::</a:t>
             </a:r>
             <a:r>
-              <a:rPr lang="en-US" dirty="0" err="1" smtClean="0"/>
+              <a:rPr lang="en-US" dirty="0" err="1"/>
               <a:t>use_data_raw</a:t>
             </a:r>
             <a:r>
-              <a:rPr lang="en-US" dirty="0" smtClean="0"/>
+              <a:rPr lang="en-US" dirty="0"/>
               <a:t>()</a:t>
             </a:r>
           </a:p>
           <a:p>
             <a:r>
-              <a:rPr lang="en-US" dirty="0" smtClean="0"/>
+              <a:rPr lang="en-US" dirty="0"/>
               <a:t>Include the data with </a:t>
             </a:r>
             <a:r>
-              <a:rPr lang="en-US" dirty="0" err="1" smtClean="0"/>
+              <a:rPr lang="en-US" dirty="0" err="1"/>
               <a:t>usethis</a:t>
             </a:r>
             <a:r>
-              <a:rPr lang="en-US" dirty="0" smtClean="0"/>
+              <a:rPr lang="en-US" dirty="0"/>
               <a:t>::</a:t>
             </a:r>
             <a:r>
-              <a:rPr lang="en-US" dirty="0" err="1" smtClean="0"/>
+              <a:rPr lang="en-US" dirty="0" err="1"/>
               <a:t>use_data</a:t>
             </a:r>
             <a:r>
-              <a:rPr lang="en-US" dirty="0" smtClean="0"/>
+              <a:rPr lang="en-US" dirty="0"/>
               <a:t>()</a:t>
             </a:r>
-            <a:endParaRPr lang="en-US" dirty="0"/>
           </a:p>
         </p:txBody>
       </p:sp>
@@ -3918,47 +3883,46 @@
           <a:lstStyle/>
           <a:p>
             <a:r>
-              <a:rPr lang="en-US" dirty="0" smtClean="0"/>
+              <a:rPr lang="en-US" dirty="0"/>
               <a:t>S3</a:t>
             </a:r>
+          </a:p>
+        </p:txBody>
+      </p:sp>
+      <p:sp>
+        <p:nvSpPr>
+          <p:cNvPr id="3" name="Content Placeholder 2"/>
+          <p:cNvSpPr>
+            <a:spLocks noGrp="1"/>
+          </p:cNvSpPr>
+          <p:nvPr>
+            <p:ph idx="1"/>
+          </p:nvPr>
+        </p:nvSpPr>
+        <p:spPr/>
+        <p:txBody>
+          <a:bodyPr/>
+          <a:lstStyle/>
+          <a:p>
+            <a:r>
+              <a:rPr lang="en-US" dirty="0"/>
+              <a:t>Object-oriented</a:t>
+            </a:r>
+          </a:p>
+          <a:p>
+            <a:r>
+              <a:rPr lang="en-US" dirty="0"/>
+              <a:t>Your function will have methods. Each method is a function that works only on the class of the object you pass as first argument.</a:t>
+            </a:r>
+          </a:p>
+          <a:p>
+            <a:r>
+              <a:rPr lang="en-US" dirty="0"/>
+              <a:t>You can define your own classes within a package. E.g. a data frame that has a few restrictions such as column names and data types.</a:t>
+            </a:r>
+          </a:p>
+          <a:p>
             <a:endParaRPr lang="en-US" dirty="0"/>
-          </a:p>
-        </p:txBody>
-      </p:sp>
-      <p:sp>
-        <p:nvSpPr>
-          <p:cNvPr id="3" name="Content Placeholder 2"/>
-          <p:cNvSpPr>
-            <a:spLocks noGrp="1"/>
-          </p:cNvSpPr>
-          <p:nvPr>
-            <p:ph idx="1"/>
-          </p:nvPr>
-        </p:nvSpPr>
-        <p:spPr/>
-        <p:txBody>
-          <a:bodyPr/>
-          <a:lstStyle/>
-          <a:p>
-            <a:r>
-              <a:rPr lang="en-US" dirty="0" smtClean="0"/>
-              <a:t>Object-oriented</a:t>
-            </a:r>
-          </a:p>
-          <a:p>
-            <a:r>
-              <a:rPr lang="en-US" dirty="0" smtClean="0"/>
-              <a:t>Your function will have methods. Each method is a function that works only on the class of the object you pass as first argument.</a:t>
-            </a:r>
-          </a:p>
-          <a:p>
-            <a:r>
-              <a:rPr lang="en-US" dirty="0" smtClean="0"/>
-              <a:t>You can define your own classes within a package. E.g. a data frame that has a few restrictions such as column names and data types.</a:t>
-            </a:r>
-          </a:p>
-          <a:p>
-            <a:endParaRPr lang="en-US" dirty="0" smtClean="0"/>
           </a:p>
         </p:txBody>
       </p:sp>
@@ -4192,10 +4156,9 @@
           <a:lstStyle/>
           <a:p>
             <a:r>
-              <a:rPr lang="en-US" dirty="0" smtClean="0"/>
+              <a:rPr lang="en-US" dirty="0"/>
               <a:t>Anatomy of an R package</a:t>
             </a:r>
-            <a:endParaRPr lang="en-US" dirty="0"/>
           </a:p>
         </p:txBody>
       </p:sp>
@@ -4218,7 +4181,7 @@
               <a:buNone/>
             </a:pPr>
             <a:r>
-              <a:rPr lang="en-US" dirty="0" smtClean="0"/>
+              <a:rPr lang="en-US" dirty="0"/>
               <a:t>Code + Documentation</a:t>
             </a:r>
           </a:p>
@@ -4233,7 +4196,7 @@
               <a:buNone/>
             </a:pPr>
             <a:r>
-              <a:rPr lang="en-US" dirty="0" smtClean="0"/>
+              <a:rPr lang="en-US" dirty="0"/>
               <a:t>Extra:</a:t>
             </a:r>
           </a:p>
@@ -4242,7 +4205,7 @@
               <a:buNone/>
             </a:pPr>
             <a:r>
-              <a:rPr lang="en-US" dirty="0" smtClean="0"/>
+              <a:rPr lang="en-US" dirty="0"/>
               <a:t>+ Data</a:t>
             </a:r>
           </a:p>
@@ -4251,7 +4214,7 @@
               <a:buNone/>
             </a:pPr>
             <a:r>
-              <a:rPr lang="en-US" dirty="0" smtClean="0"/>
+              <a:rPr lang="en-US" dirty="0"/>
               <a:t>+ Automated workflows</a:t>
             </a:r>
           </a:p>
@@ -4267,13 +4230,6 @@
   <p:clrMapOvr>
     <a:masterClrMapping/>
   </p:clrMapOvr>
-  <p:timing>
-    <p:tnLst>
-      <p:par>
-        <p:cTn id="1" dur="indefinite" restart="never" nodeType="tmRoot"/>
-      </p:par>
-    </p:tnLst>
-  </p:timing>
 </p:sld>
 </file>
 
@@ -4310,10 +4266,9 @@
           <a:lstStyle/>
           <a:p>
             <a:r>
-              <a:rPr lang="en-US" dirty="0" smtClean="0"/>
+              <a:rPr lang="en-US" dirty="0"/>
               <a:t>Testing units</a:t>
             </a:r>
-            <a:endParaRPr lang="en-US" dirty="0"/>
           </a:p>
         </p:txBody>
       </p:sp>
@@ -4333,82 +4288,82 @@
           <a:lstStyle/>
           <a:p>
             <a:r>
-              <a:rPr lang="en-US" dirty="0" smtClean="0"/>
+              <a:rPr lang="en-US" dirty="0"/>
               <a:t>Pieces of code that test that your functions do what they are supposed to do</a:t>
             </a:r>
           </a:p>
           <a:p>
             <a:r>
-              <a:rPr lang="en-US" dirty="0" smtClean="0">
+              <a:rPr lang="en-US" dirty="0">
                 <a:hlinkClick r:id="rId2"/>
               </a:rPr>
               <a:t>https://testthat.r-lib.org/</a:t>
             </a:r>
-            <a:endParaRPr lang="en-US" dirty="0" smtClean="0"/>
-          </a:p>
-          <a:p>
-            <a:r>
-              <a:rPr lang="en-US" dirty="0" smtClean="0"/>
+            <a:endParaRPr lang="en-US" dirty="0"/>
+          </a:p>
+          <a:p>
+            <a:r>
+              <a:rPr lang="en-US" dirty="0"/>
               <a:t>Get started -&gt; </a:t>
             </a:r>
             <a:r>
-              <a:rPr lang="en-US" dirty="0" err="1" smtClean="0"/>
+              <a:rPr lang="en-US" dirty="0" err="1"/>
               <a:t>usethis</a:t>
             </a:r>
             <a:r>
-              <a:rPr lang="en-US" dirty="0" smtClean="0"/>
+              <a:rPr lang="en-US" dirty="0"/>
               <a:t>::</a:t>
             </a:r>
             <a:r>
-              <a:rPr lang="en-US" dirty="0" err="1" smtClean="0"/>
+              <a:rPr lang="en-US" dirty="0" err="1"/>
               <a:t>use_testthat</a:t>
             </a:r>
             <a:r>
-              <a:rPr lang="en-US" dirty="0" smtClean="0"/>
+              <a:rPr lang="en-US" dirty="0"/>
               <a:t>()</a:t>
             </a:r>
           </a:p>
           <a:p>
             <a:r>
-              <a:rPr lang="en-US" dirty="0" smtClean="0"/>
+              <a:rPr lang="en-US" dirty="0"/>
               <a:t>Create a new test -&gt; </a:t>
             </a:r>
             <a:r>
-              <a:rPr lang="en-US" dirty="0" err="1" smtClean="0"/>
+              <a:rPr lang="en-US" dirty="0" err="1"/>
               <a:t>usethis</a:t>
             </a:r>
             <a:r>
-              <a:rPr lang="en-US" dirty="0" smtClean="0"/>
+              <a:rPr lang="en-US" dirty="0"/>
               <a:t>::</a:t>
             </a:r>
             <a:r>
-              <a:rPr lang="en-US" dirty="0" err="1" smtClean="0"/>
+              <a:rPr lang="en-US" dirty="0" err="1"/>
               <a:t>use_test</a:t>
             </a:r>
             <a:r>
-              <a:rPr lang="en-US" dirty="0" smtClean="0"/>
+              <a:rPr lang="en-US" dirty="0"/>
               <a:t>()</a:t>
             </a:r>
           </a:p>
           <a:p>
             <a:r>
-              <a:rPr lang="en-US" dirty="0" smtClean="0"/>
+              <a:rPr lang="en-US" dirty="0"/>
               <a:t>Run tests from </a:t>
             </a:r>
             <a:r>
-              <a:rPr lang="en-US" dirty="0" err="1" smtClean="0"/>
+              <a:rPr lang="en-US" dirty="0" err="1"/>
               <a:t>Rstudio</a:t>
             </a:r>
             <a:r>
-              <a:rPr lang="en-US" dirty="0" smtClean="0"/>
+              <a:rPr lang="en-US" dirty="0"/>
               <a:t> or with </a:t>
             </a:r>
             <a:r>
-              <a:rPr lang="en-US" dirty="0" err="1" smtClean="0"/>
+              <a:rPr lang="en-US" dirty="0" err="1"/>
               <a:t>devtools</a:t>
             </a:r>
             <a:r>
-              <a:rPr lang="en-US" dirty="0" smtClean="0"/>
+              <a:rPr lang="en-US" dirty="0"/>
               <a:t>::test()</a:t>
             </a:r>
           </a:p>
@@ -4555,10 +4510,9 @@
           <a:lstStyle/>
           <a:p>
             <a:r>
-              <a:rPr lang="en-US" dirty="0" smtClean="0"/>
+              <a:rPr lang="en-US" dirty="0"/>
               <a:t>R CMD Check</a:t>
             </a:r>
-            <a:endParaRPr lang="en-US" dirty="0"/>
           </a:p>
         </p:txBody>
       </p:sp>
@@ -4578,29 +4532,29 @@
           <a:lstStyle/>
           <a:p>
             <a:r>
-              <a:rPr lang="en-US" dirty="0" smtClean="0"/>
+              <a:rPr lang="en-US" dirty="0"/>
               <a:t>Automatic checks that tells you if the package is suitable for CRAN</a:t>
             </a:r>
           </a:p>
           <a:p>
             <a:r>
-              <a:rPr lang="en-US" dirty="0" smtClean="0"/>
+              <a:rPr lang="en-US" dirty="0"/>
               <a:t>Run from </a:t>
             </a:r>
             <a:r>
-              <a:rPr lang="en-US" dirty="0" err="1" smtClean="0"/>
+              <a:rPr lang="en-US" dirty="0" err="1"/>
               <a:t>Rstudio</a:t>
             </a:r>
             <a:r>
-              <a:rPr lang="en-US" dirty="0" smtClean="0"/>
+              <a:rPr lang="en-US" dirty="0"/>
               <a:t> or </a:t>
             </a:r>
             <a:r>
-              <a:rPr lang="en-US" dirty="0" err="1" smtClean="0"/>
+              <a:rPr lang="en-US" dirty="0" err="1"/>
               <a:t>devtools</a:t>
             </a:r>
             <a:r>
-              <a:rPr lang="en-US" dirty="0" smtClean="0"/>
+              <a:rPr lang="en-US" dirty="0"/>
               <a:t>::check()</a:t>
             </a:r>
           </a:p>
@@ -4612,40 +4566,40 @@
           </a:p>
           <a:p>
             <a:r>
-              <a:rPr lang="en-US" dirty="0" smtClean="0"/>
+              <a:rPr lang="en-US" dirty="0"/>
               <a:t>CRAN requires that you check your package in at least two OS. E.g. Linux and Windows</a:t>
             </a:r>
           </a:p>
           <a:p>
             <a:r>
-              <a:rPr lang="en-US" dirty="0" smtClean="0"/>
+              <a:rPr lang="en-US" dirty="0"/>
               <a:t>Best is to set up a Continuous Integration pipeline on </a:t>
             </a:r>
             <a:r>
-              <a:rPr lang="en-US" dirty="0" err="1" smtClean="0"/>
+              <a:rPr lang="en-US" dirty="0" err="1"/>
               <a:t>github</a:t>
             </a:r>
             <a:r>
-              <a:rPr lang="en-US" dirty="0" smtClean="0"/>
+              <a:rPr lang="en-US" dirty="0"/>
               <a:t>. This will run a check on your package with every commit or periodically</a:t>
             </a:r>
           </a:p>
           <a:p>
             <a:pPr lvl="1"/>
             <a:r>
-              <a:rPr lang="en-US" dirty="0" err="1" smtClean="0"/>
+              <a:rPr lang="en-US" dirty="0" err="1"/>
               <a:t>usethis</a:t>
             </a:r>
             <a:r>
-              <a:rPr lang="en-US" dirty="0" smtClean="0"/>
+              <a:rPr lang="en-US" dirty="0"/>
               <a:t>::</a:t>
             </a:r>
             <a:r>
-              <a:rPr lang="en-US" dirty="0" err="1" smtClean="0"/>
+              <a:rPr lang="en-US" dirty="0" err="1"/>
               <a:t>use_github_action_check_standard</a:t>
             </a:r>
             <a:r>
-              <a:rPr lang="en-US" dirty="0" smtClean="0"/>
+              <a:rPr lang="en-US" dirty="0"/>
               <a:t>()</a:t>
             </a:r>
           </a:p>
@@ -4697,10 +4651,9 @@
           <a:lstStyle/>
           <a:p>
             <a:r>
-              <a:rPr lang="en-US" dirty="0" smtClean="0"/>
+              <a:rPr lang="en-US" dirty="0"/>
               <a:t>Anatomy of an R package</a:t>
             </a:r>
-            <a:endParaRPr lang="en-US" dirty="0"/>
           </a:p>
         </p:txBody>
       </p:sp>
@@ -4724,7 +4677,7 @@
               <a:buChar char="-"/>
             </a:pPr>
             <a:r>
-              <a:rPr lang="en-US" dirty="0" smtClean="0"/>
+              <a:rPr lang="en-US" dirty="0"/>
               <a:t>R/</a:t>
             </a:r>
           </a:p>
@@ -4734,7 +4687,7 @@
               <a:buChar char="-"/>
             </a:pPr>
             <a:r>
-              <a:rPr lang="en-US" dirty="0" smtClean="0"/>
+              <a:rPr lang="en-US" dirty="0"/>
               <a:t>man/</a:t>
             </a:r>
           </a:p>
@@ -4744,7 +4697,7 @@
               <a:buChar char="-"/>
             </a:pPr>
             <a:r>
-              <a:rPr lang="en-US" dirty="0" smtClean="0"/>
+              <a:rPr lang="en-US" dirty="0"/>
               <a:t>DESCRIPTION</a:t>
             </a:r>
           </a:p>
@@ -4754,10 +4707,9 @@
               <a:buChar char="-"/>
             </a:pPr>
             <a:r>
-              <a:rPr lang="en-US" dirty="0" smtClean="0"/>
+              <a:rPr lang="en-US" dirty="0"/>
               <a:t>NAMESPACE</a:t>
             </a:r>
-            <a:endParaRPr lang="en-US" dirty="0"/>
           </a:p>
         </p:txBody>
       </p:sp>
@@ -4771,13 +4723,6 @@
   <p:clrMapOvr>
     <a:masterClrMapping/>
   </p:clrMapOvr>
-  <p:timing>
-    <p:tnLst>
-      <p:par>
-        <p:cTn id="1" dur="indefinite" restart="never" nodeType="tmRoot"/>
-      </p:par>
-    </p:tnLst>
-  </p:timing>
 </p:sld>
 </file>
 
@@ -4814,10 +4759,9 @@
           <a:lstStyle/>
           <a:p>
             <a:r>
-              <a:rPr lang="en-US" dirty="0" smtClean="0"/>
+              <a:rPr lang="en-US" dirty="0"/>
               <a:t>Anatomy of an R package</a:t>
             </a:r>
-            <a:endParaRPr lang="en-US" dirty="0"/>
           </a:p>
         </p:txBody>
       </p:sp>
@@ -4841,7 +4785,7 @@
               <a:buChar char="-"/>
             </a:pPr>
             <a:r>
-              <a:rPr lang="en-US" dirty="0" smtClean="0"/>
+              <a:rPr lang="en-US" dirty="0"/>
               <a:t>R/</a:t>
             </a:r>
           </a:p>
@@ -4851,7 +4795,7 @@
               <a:buChar char="-"/>
             </a:pPr>
             <a:r>
-              <a:rPr lang="en-US" dirty="0" smtClean="0"/>
+              <a:rPr lang="en-US" dirty="0"/>
               <a:t>man/</a:t>
             </a:r>
           </a:p>
@@ -4861,7 +4805,7 @@
               <a:buChar char="-"/>
             </a:pPr>
             <a:r>
-              <a:rPr lang="en-US" dirty="0" smtClean="0"/>
+              <a:rPr lang="en-US" dirty="0"/>
               <a:t>tests/</a:t>
             </a:r>
           </a:p>
@@ -4871,7 +4815,7 @@
               <a:buChar char="-"/>
             </a:pPr>
             <a:r>
-              <a:rPr lang="en-US" dirty="0" smtClean="0"/>
+              <a:rPr lang="en-US" dirty="0"/>
               <a:t>vignettes/</a:t>
             </a:r>
           </a:p>
@@ -4881,15 +4825,15 @@
               <a:buChar char="-"/>
             </a:pPr>
             <a:r>
-              <a:rPr lang="en-US" dirty="0" smtClean="0"/>
+              <a:rPr lang="en-US" dirty="0"/>
               <a:t>.</a:t>
             </a:r>
             <a:r>
-              <a:rPr lang="en-US" dirty="0" err="1" smtClean="0"/>
+              <a:rPr lang="en-US" dirty="0" err="1"/>
               <a:t>github</a:t>
             </a:r>
             <a:r>
-              <a:rPr lang="en-US" dirty="0" smtClean="0"/>
+              <a:rPr lang="en-US" dirty="0"/>
               <a:t>/</a:t>
             </a:r>
           </a:p>
@@ -4899,7 +4843,7 @@
               <a:buChar char="-"/>
             </a:pPr>
             <a:r>
-              <a:rPr lang="en-US" dirty="0" smtClean="0"/>
+              <a:rPr lang="en-US" dirty="0"/>
               <a:t>DESCRIPTION</a:t>
             </a:r>
           </a:p>
@@ -4909,7 +4853,7 @@
               <a:buChar char="-"/>
             </a:pPr>
             <a:r>
-              <a:rPr lang="en-US" dirty="0" smtClean="0"/>
+              <a:rPr lang="en-US" dirty="0"/>
               <a:t>NAMESPACE</a:t>
             </a:r>
           </a:p>
@@ -4919,10 +4863,9 @@
               <a:buChar char="-"/>
             </a:pPr>
             <a:r>
-              <a:rPr lang="en-US" dirty="0" smtClean="0"/>
+              <a:rPr lang="en-US" dirty="0"/>
               <a:t>LICENSE</a:t>
             </a:r>
-            <a:endParaRPr lang="en-US" dirty="0"/>
           </a:p>
         </p:txBody>
       </p:sp>
@@ -4936,13 +4879,6 @@
   <p:clrMapOvr>
     <a:masterClrMapping/>
   </p:clrMapOvr>
-  <p:timing>
-    <p:tnLst>
-      <p:par>
-        <p:cTn id="1" dur="indefinite" restart="never" nodeType="tmRoot"/>
-      </p:par>
-    </p:tnLst>
-  </p:timing>
 </p:sld>
 </file>
 
@@ -4979,10 +4915,9 @@
           <a:lstStyle/>
           <a:p>
             <a:r>
-              <a:rPr lang="en-US" dirty="0" smtClean="0"/>
+              <a:rPr lang="en-US" dirty="0"/>
               <a:t>Anatomy of an R package</a:t>
             </a:r>
-            <a:endParaRPr lang="en-US" dirty="0"/>
           </a:p>
         </p:txBody>
       </p:sp>
@@ -5008,7 +4943,7 @@
               <a:buChar char="-"/>
             </a:pPr>
             <a:r>
-              <a:rPr lang="en-US" dirty="0" smtClean="0"/>
+              <a:rPr lang="en-US" dirty="0"/>
               <a:t>R/ scripts containing the functions of the package</a:t>
             </a:r>
           </a:p>
@@ -5018,7 +4953,7 @@
               <a:buChar char="-"/>
             </a:pPr>
             <a:r>
-              <a:rPr lang="en-US" dirty="0" smtClean="0"/>
+              <a:rPr lang="en-US" dirty="0"/>
               <a:t>man/ GENERATED AUTOMATICALLY, documentation of the functions</a:t>
             </a:r>
           </a:p>
@@ -5028,7 +4963,7 @@
               <a:buChar char="-"/>
             </a:pPr>
             <a:r>
-              <a:rPr lang="en-US" dirty="0" smtClean="0"/>
+              <a:rPr lang="en-US" dirty="0"/>
               <a:t>tests/ Automated tests that check if the functions work as expected</a:t>
             </a:r>
           </a:p>
@@ -5038,15 +4973,15 @@
               <a:buChar char="-"/>
             </a:pPr>
             <a:r>
-              <a:rPr lang="en-US" dirty="0" smtClean="0"/>
+              <a:rPr lang="en-US" dirty="0"/>
               <a:t>vignettes/ .</a:t>
             </a:r>
             <a:r>
-              <a:rPr lang="en-US" dirty="0" err="1" smtClean="0"/>
+              <a:rPr lang="en-US" dirty="0" err="1"/>
               <a:t>Rmd</a:t>
             </a:r>
             <a:r>
-              <a:rPr lang="en-US" dirty="0" smtClean="0"/>
+              <a:rPr lang="en-US" dirty="0"/>
               <a:t> files with usage documentation</a:t>
             </a:r>
           </a:p>
@@ -5056,15 +4991,15 @@
               <a:buChar char="-"/>
             </a:pPr>
             <a:r>
-              <a:rPr lang="en-US" dirty="0" smtClean="0"/>
+              <a:rPr lang="en-US" dirty="0"/>
               <a:t>.</a:t>
             </a:r>
             <a:r>
-              <a:rPr lang="en-US" dirty="0" err="1" smtClean="0"/>
+              <a:rPr lang="en-US" dirty="0" err="1"/>
               <a:t>github</a:t>
             </a:r>
             <a:r>
-              <a:rPr lang="en-US" dirty="0" smtClean="0"/>
+              <a:rPr lang="en-US" dirty="0"/>
               <a:t>/ Automated workflows: testing and package website</a:t>
             </a:r>
           </a:p>
@@ -5074,7 +5009,7 @@
               <a:buChar char="-"/>
             </a:pPr>
             <a:r>
-              <a:rPr lang="en-US" dirty="0" smtClean="0"/>
+              <a:rPr lang="en-US" dirty="0"/>
               <a:t>DESCRIPTION Info about the package</a:t>
             </a:r>
           </a:p>
@@ -5084,14 +5019,14 @@
               <a:buChar char="-"/>
             </a:pPr>
             <a:r>
-              <a:rPr lang="en-US" dirty="0" smtClean="0"/>
+              <a:rPr lang="en-US" dirty="0"/>
               <a:t>NAMESPACE GENERATED AUTOMATICALLY declares the functions of the </a:t>
             </a:r>
             <a:r>
-              <a:rPr lang="en-US" dirty="0" err="1" smtClean="0"/>
+              <a:rPr lang="en-US" dirty="0" err="1"/>
               <a:t>pkg</a:t>
             </a:r>
-            <a:endParaRPr lang="en-US" dirty="0" smtClean="0"/>
+            <a:endParaRPr lang="en-US" dirty="0"/>
           </a:p>
           <a:p>
             <a:pPr>
@@ -5099,7 +5034,7 @@
               <a:buChar char="-"/>
             </a:pPr>
             <a:r>
-              <a:rPr lang="en-US" dirty="0" smtClean="0"/>
+              <a:rPr lang="en-US" dirty="0"/>
               <a:t>LICENSE A software license, e.g. MIT</a:t>
             </a:r>
           </a:p>
@@ -5109,14 +5044,13 @@
               <a:buChar char="-"/>
             </a:pPr>
             <a:r>
-              <a:rPr lang="en-US" dirty="0" err="1" smtClean="0"/>
+              <a:rPr lang="en-US" dirty="0" err="1"/>
               <a:t>README.rmd</a:t>
             </a:r>
             <a:r>
-              <a:rPr lang="en-US" dirty="0" smtClean="0"/>
+              <a:rPr lang="en-US" dirty="0"/>
               <a:t> How to install and basic usage documentation</a:t>
             </a:r>
-            <a:endParaRPr lang="en-US" dirty="0"/>
           </a:p>
         </p:txBody>
       </p:sp>
@@ -5130,13 +5064,6 @@
   <p:clrMapOvr>
     <a:masterClrMapping/>
   </p:clrMapOvr>
-  <p:timing>
-    <p:tnLst>
-      <p:par>
-        <p:cTn id="1" dur="indefinite" restart="never" nodeType="tmRoot"/>
-      </p:par>
-    </p:tnLst>
-  </p:timing>
 </p:sld>
 </file>
 
@@ -5173,77 +5100,76 @@
           <a:lstStyle/>
           <a:p>
             <a:r>
-              <a:rPr lang="en-US" dirty="0" smtClean="0"/>
+              <a:rPr lang="en-US" dirty="0"/>
               <a:t>Anatomy of an R package</a:t>
             </a:r>
+          </a:p>
+        </p:txBody>
+      </p:sp>
+      <p:sp>
+        <p:nvSpPr>
+          <p:cNvPr id="3" name="Content Placeholder 2"/>
+          <p:cNvSpPr>
+            <a:spLocks noGrp="1"/>
+          </p:cNvSpPr>
+          <p:nvPr>
+            <p:ph idx="1"/>
+          </p:nvPr>
+        </p:nvSpPr>
+        <p:spPr/>
+        <p:txBody>
+          <a:bodyPr/>
+          <a:lstStyle/>
+          <a:p>
+            <a:pPr marL="0" indent="0">
+              <a:buNone/>
+            </a:pPr>
+            <a:r>
+              <a:rPr lang="en-US" dirty="0"/>
+              <a:t>Create with `</a:t>
+            </a:r>
+            <a:r>
+              <a:rPr lang="en-US" dirty="0" err="1"/>
+              <a:t>usethis</a:t>
+            </a:r>
+            <a:r>
+              <a:rPr lang="en-US" dirty="0"/>
+              <a:t>::</a:t>
+            </a:r>
+            <a:r>
+              <a:rPr lang="en-US" dirty="0" err="1"/>
+              <a:t>create_package</a:t>
+            </a:r>
+            <a:r>
+              <a:rPr lang="en-US" dirty="0"/>
+              <a:t>()`</a:t>
+            </a:r>
+          </a:p>
+          <a:p>
+            <a:pPr marL="0" indent="0">
+              <a:buNone/>
+            </a:pPr>
             <a:endParaRPr lang="en-US" dirty="0"/>
           </a:p>
-        </p:txBody>
-      </p:sp>
-      <p:sp>
-        <p:nvSpPr>
-          <p:cNvPr id="3" name="Content Placeholder 2"/>
-          <p:cNvSpPr>
-            <a:spLocks noGrp="1"/>
-          </p:cNvSpPr>
-          <p:nvPr>
-            <p:ph idx="1"/>
-          </p:nvPr>
-        </p:nvSpPr>
-        <p:spPr/>
-        <p:txBody>
-          <a:bodyPr/>
-          <a:lstStyle/>
           <a:p>
             <a:pPr marL="0" indent="0">
               <a:buNone/>
             </a:pPr>
             <a:r>
-              <a:rPr lang="en-US" dirty="0" smtClean="0"/>
-              <a:t>Create with `</a:t>
-            </a:r>
-            <a:r>
-              <a:rPr lang="en-US" dirty="0" err="1" smtClean="0"/>
+              <a:rPr lang="en-US" dirty="0" err="1"/>
               <a:t>usethis</a:t>
             </a:r>
             <a:r>
-              <a:rPr lang="en-US" dirty="0" smtClean="0"/>
-              <a:t>::</a:t>
-            </a:r>
-            <a:r>
-              <a:rPr lang="en-US" dirty="0" err="1" smtClean="0"/>
-              <a:t>create_package</a:t>
-            </a:r>
-            <a:r>
-              <a:rPr lang="en-US" dirty="0" smtClean="0"/>
-              <a:t>()`</a:t>
+              <a:rPr lang="en-US" dirty="0"/>
+              <a:t> </a:t>
             </a:r>
           </a:p>
           <a:p>
             <a:pPr marL="0" indent="0">
               <a:buNone/>
             </a:pPr>
-            <a:endParaRPr lang="en-US" dirty="0" smtClean="0"/>
-          </a:p>
-          <a:p>
-            <a:pPr marL="0" indent="0">
-              <a:buNone/>
-            </a:pPr>
-            <a:r>
-              <a:rPr lang="en-US" dirty="0" err="1" smtClean="0"/>
-              <a:t>usethis</a:t>
-            </a:r>
-            <a:r>
-              <a:rPr lang="en-US" dirty="0" smtClean="0"/>
-              <a:t> </a:t>
-            </a:r>
-          </a:p>
-          <a:p>
-            <a:pPr marL="0" indent="0">
-              <a:buNone/>
-            </a:pPr>
-            <a:r>
-              <a:rPr lang="en-US" dirty="0" err="1" smtClean="0"/>
+            <a:r>
+              <a:rPr lang="en-US" dirty="0" err="1"/>
               <a:t>devtools</a:t>
             </a:r>
             <a:endParaRPr lang="en-US" dirty="0"/>
@@ -5266,13 +5192,6 @@
   <p:clrMapOvr>
     <a:masterClrMapping/>
   </p:clrMapOvr>
-  <p:timing>
-    <p:tnLst>
-      <p:par>
-        <p:cTn id="1" dur="indefinite" restart="never" nodeType="tmRoot"/>
-      </p:par>
-    </p:tnLst>
-  </p:timing>
 </p:sld>
 </file>
 
@@ -5329,13 +5248,6 @@
   <p:clrMapOvr>
     <a:masterClrMapping/>
   </p:clrMapOvr>
-  <p:timing>
-    <p:tnLst>
-      <p:par>
-        <p:cTn id="1" dur="indefinite" restart="never" nodeType="tmRoot"/>
-      </p:par>
-    </p:tnLst>
-  </p:timing>
 </p:sld>
 </file>
 
@@ -5372,10 +5284,9 @@
           <a:lstStyle/>
           <a:p>
             <a:r>
-              <a:rPr lang="en-US" dirty="0" smtClean="0"/>
+              <a:rPr lang="en-US" dirty="0"/>
               <a:t>Package dependencies</a:t>
             </a:r>
-            <a:endParaRPr lang="en-US" dirty="0"/>
           </a:p>
         </p:txBody>
       </p:sp>
@@ -5397,169 +5308,165 @@
           <a:lstStyle/>
           <a:p>
             <a:r>
-              <a:rPr lang="en-US" dirty="0" smtClean="0"/>
+              <a:rPr lang="en-US" dirty="0"/>
               <a:t>ALWAYS call via </a:t>
             </a:r>
             <a:r>
-              <a:rPr lang="en-US" dirty="0" err="1" smtClean="0"/>
+              <a:rPr lang="en-US" dirty="0" err="1"/>
               <a:t>pkgname</a:t>
             </a:r>
             <a:r>
-              <a:rPr lang="en-US" dirty="0" smtClean="0"/>
+              <a:rPr lang="en-US" dirty="0"/>
               <a:t>::fun() and NEVER via library() or require()</a:t>
             </a:r>
           </a:p>
           <a:p>
             <a:r>
-              <a:rPr lang="en-US" dirty="0" smtClean="0"/>
+              <a:rPr lang="en-US" dirty="0"/>
               <a:t>Declare the dependency with `</a:t>
             </a:r>
             <a:r>
-              <a:rPr lang="en-US" dirty="0" err="1" smtClean="0"/>
+              <a:rPr lang="en-US" dirty="0" err="1"/>
               <a:t>usethis</a:t>
             </a:r>
             <a:r>
-              <a:rPr lang="en-US" dirty="0" smtClean="0"/>
+              <a:rPr lang="en-US" dirty="0"/>
               <a:t>::</a:t>
             </a:r>
             <a:r>
-              <a:rPr lang="en-US" dirty="0" err="1" smtClean="0"/>
+              <a:rPr lang="en-US" dirty="0" err="1"/>
               <a:t>use_package</a:t>
             </a:r>
             <a:r>
-              <a:rPr lang="en-US" dirty="0" smtClean="0"/>
+              <a:rPr lang="en-US" dirty="0"/>
               <a:t>()`:</a:t>
             </a:r>
           </a:p>
           <a:p>
             <a:pPr lvl="1"/>
             <a:r>
-              <a:rPr lang="en-US" dirty="0" smtClean="0"/>
+              <a:rPr lang="en-US" dirty="0"/>
               <a:t>Will include in write in DESCRIPTION</a:t>
             </a:r>
           </a:p>
           <a:p>
             <a:pPr lvl="1"/>
             <a:r>
-              <a:rPr lang="en-US" dirty="0" smtClean="0"/>
+              <a:rPr lang="en-US" dirty="0"/>
               <a:t>Include in NAMESPACE with `</a:t>
             </a:r>
             <a:r>
-              <a:rPr lang="en-US" dirty="0" err="1" smtClean="0"/>
+              <a:rPr lang="en-US" dirty="0" err="1"/>
               <a:t>devtools</a:t>
             </a:r>
             <a:r>
-              <a:rPr lang="en-US" dirty="0" smtClean="0"/>
+              <a:rPr lang="en-US" dirty="0"/>
               <a:t>::document()`</a:t>
             </a:r>
           </a:p>
           <a:p>
             <a:pPr lvl="1"/>
             <a:r>
-              <a:rPr lang="en-US" dirty="0" smtClean="0"/>
+              <a:rPr lang="en-US" dirty="0"/>
               <a:t>Strong dependency: `</a:t>
             </a:r>
             <a:r>
-              <a:rPr lang="en-US" dirty="0" err="1" smtClean="0"/>
+              <a:rPr lang="en-US" dirty="0" err="1"/>
               <a:t>usethis</a:t>
             </a:r>
             <a:r>
-              <a:rPr lang="en-US" dirty="0" smtClean="0"/>
+              <a:rPr lang="en-US" dirty="0"/>
               <a:t>::</a:t>
             </a:r>
             <a:r>
-              <a:rPr lang="en-US" dirty="0" err="1" smtClean="0"/>
+              <a:rPr lang="en-US" dirty="0" err="1"/>
               <a:t>use_package</a:t>
             </a:r>
             <a:r>
-              <a:rPr lang="en-US" dirty="0" smtClean="0"/>
+              <a:rPr lang="en-US" dirty="0"/>
               <a:t>(“</a:t>
             </a:r>
             <a:r>
-              <a:rPr lang="en-US" dirty="0" err="1" smtClean="0"/>
+              <a:rPr lang="en-US" dirty="0" err="1"/>
               <a:t>pkgname</a:t>
             </a:r>
             <a:r>
-              <a:rPr lang="en-US" dirty="0" smtClean="0"/>
+              <a:rPr lang="en-US" dirty="0"/>
               <a:t>”, “Imports”)`</a:t>
             </a:r>
           </a:p>
           <a:p>
             <a:pPr lvl="2"/>
             <a:r>
-              <a:rPr lang="en-US" dirty="0" smtClean="0"/>
+              <a:rPr lang="en-US" dirty="0"/>
               <a:t>Use within code</a:t>
             </a:r>
           </a:p>
           <a:p>
             <a:pPr lvl="2"/>
             <a:r>
-              <a:rPr lang="en-US" dirty="0" smtClean="0"/>
+              <a:rPr lang="en-US" dirty="0"/>
               <a:t>Your </a:t>
             </a:r>
             <a:r>
-              <a:rPr lang="en-US" dirty="0" err="1" smtClean="0"/>
+              <a:rPr lang="en-US" dirty="0" err="1"/>
               <a:t>pkg</a:t>
             </a:r>
             <a:r>
-              <a:rPr lang="en-US" dirty="0" smtClean="0"/>
+              <a:rPr lang="en-US" dirty="0"/>
               <a:t> won’t be installed if any dependency fails</a:t>
             </a:r>
           </a:p>
           <a:p>
             <a:pPr lvl="1"/>
             <a:r>
-              <a:rPr lang="en-US" dirty="0" smtClean="0"/>
-              <a:t>Weaker dependency: </a:t>
-            </a:r>
-            <a:r>
-              <a:rPr lang="en-US" dirty="0" smtClean="0"/>
-              <a:t>`</a:t>
-            </a:r>
-            <a:r>
-              <a:rPr lang="en-US" dirty="0" err="1" smtClean="0"/>
+              <a:rPr lang="en-US" dirty="0"/>
+              <a:t>Weaker dependency: `</a:t>
+            </a:r>
+            <a:r>
+              <a:rPr lang="en-US" dirty="0" err="1"/>
               <a:t>usethis</a:t>
             </a:r>
             <a:r>
-              <a:rPr lang="en-US" dirty="0" smtClean="0"/>
+              <a:rPr lang="en-US" dirty="0"/>
               <a:t>::</a:t>
             </a:r>
             <a:r>
-              <a:rPr lang="en-US" dirty="0" err="1" smtClean="0"/>
+              <a:rPr lang="en-US" dirty="0" err="1"/>
               <a:t>use_package</a:t>
             </a:r>
             <a:r>
-              <a:rPr lang="en-US" dirty="0" smtClean="0"/>
+              <a:rPr lang="en-US" dirty="0"/>
               <a:t>(“</a:t>
             </a:r>
             <a:r>
-              <a:rPr lang="en-US" dirty="0" err="1" smtClean="0"/>
+              <a:rPr lang="en-US" dirty="0" err="1"/>
               <a:t>pkgname</a:t>
             </a:r>
             <a:r>
-              <a:rPr lang="en-US" dirty="0" smtClean="0"/>
+              <a:rPr lang="en-US" dirty="0"/>
               <a:t>”, “Suggests”)`</a:t>
             </a:r>
           </a:p>
           <a:p>
             <a:pPr lvl="2"/>
             <a:r>
-              <a:rPr lang="en-US" dirty="0" smtClean="0"/>
+              <a:rPr lang="en-US" dirty="0"/>
               <a:t>Use only in tests, vignettes or README</a:t>
             </a:r>
           </a:p>
           <a:p>
             <a:pPr lvl="2"/>
             <a:r>
-              <a:rPr lang="en-US" dirty="0" smtClean="0"/>
+              <a:rPr lang="en-US" dirty="0"/>
               <a:t>Your </a:t>
             </a:r>
             <a:r>
-              <a:rPr lang="en-US" dirty="0" err="1" smtClean="0"/>
+              <a:rPr lang="en-US" dirty="0" err="1"/>
               <a:t>pkg</a:t>
             </a:r>
             <a:r>
-              <a:rPr lang="en-US" dirty="0" smtClean="0"/>
+              <a:rPr lang="en-US" dirty="0"/>
               <a:t> can be installed even if these dependencies fail</a:t>
             </a:r>
           </a:p>
@@ -5575,13 +5482,6 @@
   <p:clrMapOvr>
     <a:masterClrMapping/>
   </p:clrMapOvr>
-  <p:timing>
-    <p:tnLst>
-      <p:par>
-        <p:cTn id="1" dur="indefinite" restart="never" nodeType="tmRoot"/>
-      </p:par>
-    </p:tnLst>
-  </p:timing>
 </p:sld>
 </file>
 
@@ -5674,13 +5574,6 @@
   <p:clrMapOvr>
     <a:masterClrMapping/>
   </p:clrMapOvr>
-  <p:timing>
-    <p:tnLst>
-      <p:par>
-        <p:cTn id="1" dur="indefinite" restart="never" nodeType="tmRoot"/>
-      </p:par>
-    </p:tnLst>
-  </p:timing>
 </p:sld>
 </file>
 
